--- a/vizsga1/Network Infrastructure Design and Implementation.pptx
+++ b/vizsga1/Network Infrastructure Design and Implementation.pptx
@@ -346,7 +346,7 @@
             <a:fld id="{B61BEF0D-F0BB-DE4B-95CE-6DB70DBA9567}" type="datetimeFigureOut">
               <a:rPr lang="en-US" smtClean="0"/>
               <a:pPr/>
-              <a:t>4/14/2025</a:t>
+              <a:t>5/12/2025</a:t>
             </a:fld>
             <a:endParaRPr lang="en-US" dirty="0"/>
           </a:p>
@@ -555,7 +555,7 @@
           <a:p>
             <a:fld id="{55C6B4A9-1611-4792-9094-5F34BCA07E0B}" type="datetimeFigureOut">
               <a:rPr lang="en-US" smtClean="0"/>
-              <a:t>4/14/2025</a:t>
+              <a:t>5/12/2025</a:t>
             </a:fld>
             <a:endParaRPr lang="en-US" dirty="0"/>
           </a:p>
@@ -812,7 +812,7 @@
             <a:fld id="{B61BEF0D-F0BB-DE4B-95CE-6DB70DBA9567}" type="datetimeFigureOut">
               <a:rPr lang="en-US" smtClean="0"/>
               <a:pPr/>
-              <a:t>4/14/2025</a:t>
+              <a:t>5/12/2025</a:t>
             </a:fld>
             <a:endParaRPr lang="en-US" dirty="0"/>
           </a:p>
@@ -987,7 +987,7 @@
           <a:p>
             <a:fld id="{42A54C80-263E-416B-A8E0-580EDEADCBDC}" type="datetimeFigureOut">
               <a:rPr lang="en-US" smtClean="0"/>
-              <a:t>4/14/2025</a:t>
+              <a:t>5/12/2025</a:t>
             </a:fld>
             <a:endParaRPr lang="en-US" dirty="0"/>
           </a:p>
@@ -1331,7 +1331,7 @@
             <a:fld id="{B61BEF0D-F0BB-DE4B-95CE-6DB70DBA9567}" type="datetimeFigureOut">
               <a:rPr lang="en-US" smtClean="0"/>
               <a:pPr/>
-              <a:t>4/14/2025</a:t>
+              <a:t>5/12/2025</a:t>
             </a:fld>
             <a:endParaRPr lang="en-US" dirty="0"/>
           </a:p>
@@ -1607,7 +1607,7 @@
           <a:p>
             <a:fld id="{42A54C80-263E-416B-A8E0-580EDEADCBDC}" type="datetimeFigureOut">
               <a:rPr lang="en-US" smtClean="0"/>
-              <a:t>4/14/2025</a:t>
+              <a:t>5/12/2025</a:t>
             </a:fld>
             <a:endParaRPr lang="en-US" dirty="0"/>
           </a:p>
@@ -1987,7 +1987,7 @@
             <a:fld id="{B61BEF0D-F0BB-DE4B-95CE-6DB70DBA9567}" type="datetimeFigureOut">
               <a:rPr lang="en-US" smtClean="0"/>
               <a:pPr/>
-              <a:t>4/14/2025</a:t>
+              <a:t>5/12/2025</a:t>
             </a:fld>
             <a:endParaRPr lang="en-US" dirty="0"/>
           </a:p>
@@ -2107,7 +2107,7 @@
             <a:fld id="{B61BEF0D-F0BB-DE4B-95CE-6DB70DBA9567}" type="datetimeFigureOut">
               <a:rPr lang="en-US" smtClean="0"/>
               <a:pPr/>
-              <a:t>4/14/2025</a:t>
+              <a:t>5/12/2025</a:t>
             </a:fld>
             <a:endParaRPr lang="en-US" dirty="0"/>
           </a:p>
@@ -2280,7 +2280,7 @@
             <a:fld id="{B61BEF0D-F0BB-DE4B-95CE-6DB70DBA9567}" type="datetimeFigureOut">
               <a:rPr lang="en-US" smtClean="0"/>
               <a:pPr/>
-              <a:t>4/14/2025</a:t>
+              <a:t>5/12/2025</a:t>
             </a:fld>
             <a:endParaRPr lang="en-US" dirty="0"/>
           </a:p>
@@ -2635,7 +2635,7 @@
           <a:p>
             <a:fld id="{42A54C80-263E-416B-A8E0-580EDEADCBDC}" type="datetimeFigureOut">
               <a:rPr lang="en-US" smtClean="0"/>
-              <a:t>4/14/2025</a:t>
+              <a:t>5/12/2025</a:t>
             </a:fld>
             <a:endParaRPr lang="en-US" dirty="0"/>
           </a:p>
@@ -3018,7 +3018,7 @@
             <a:fld id="{B61BEF0D-F0BB-DE4B-95CE-6DB70DBA9567}" type="datetimeFigureOut">
               <a:rPr lang="en-US" smtClean="0"/>
               <a:pPr/>
-              <a:t>4/14/2025</a:t>
+              <a:t>5/12/2025</a:t>
             </a:fld>
             <a:endParaRPr lang="en-US" dirty="0"/>
           </a:p>
@@ -3307,7 +3307,7 @@
             <a:fld id="{B61BEF0D-F0BB-DE4B-95CE-6DB70DBA9567}" type="datetimeFigureOut">
               <a:rPr lang="en-US" smtClean="0"/>
               <a:pPr/>
-              <a:t>4/14/2025</a:t>
+              <a:t>5/12/2025</a:t>
             </a:fld>
             <a:endParaRPr lang="en-US" dirty="0"/>
           </a:p>
@@ -3947,6 +3947,18 @@
   <p:clrMapOvr>
     <a:masterClrMapping/>
   </p:clrMapOvr>
+  <mc:AlternateContent xmlns:mc="http://schemas.openxmlformats.org/markup-compatibility/2006">
+    <mc:Choice xmlns:p159="http://schemas.microsoft.com/office/powerpoint/2015/09/main" Requires="p159">
+      <p:transition xmlns:p14="http://schemas.microsoft.com/office/powerpoint/2010/main" spd="slow" p14:dur="2000">
+        <p159:morph option="byObject"/>
+      </p:transition>
+    </mc:Choice>
+    <mc:Fallback>
+      <p:transition spd="slow">
+        <p:fade/>
+      </p:transition>
+    </mc:Fallback>
+  </mc:AlternateContent>
 </p:sld>
 </file>
 
@@ -4113,6 +4125,18 @@
   <p:clrMapOvr>
     <a:masterClrMapping/>
   </p:clrMapOvr>
+  <mc:AlternateContent xmlns:mc="http://schemas.openxmlformats.org/markup-compatibility/2006">
+    <mc:Choice xmlns:p159="http://schemas.microsoft.com/office/powerpoint/2015/09/main" Requires="p159">
+      <p:transition xmlns:p14="http://schemas.microsoft.com/office/powerpoint/2010/main" spd="slow" p14:dur="2000">
+        <p159:morph option="byObject"/>
+      </p:transition>
+    </mc:Choice>
+    <mc:Fallback>
+      <p:transition spd="slow">
+        <p:fade/>
+      </p:transition>
+    </mc:Fallback>
+  </mc:AlternateContent>
 </p:sld>
 </file>
 
@@ -4527,6 +4551,18 @@
   <p:clrMapOvr>
     <a:masterClrMapping/>
   </p:clrMapOvr>
+  <mc:AlternateContent xmlns:mc="http://schemas.openxmlformats.org/markup-compatibility/2006">
+    <mc:Choice xmlns:p159="http://schemas.microsoft.com/office/powerpoint/2015/09/main" Requires="p159">
+      <p:transition xmlns:p14="http://schemas.microsoft.com/office/powerpoint/2010/main" spd="slow" p14:dur="2000">
+        <p159:morph option="byObject"/>
+      </p:transition>
+    </mc:Choice>
+    <mc:Fallback>
+      <p:transition spd="slow">
+        <p:fade/>
+      </p:transition>
+    </mc:Fallback>
+  </mc:AlternateContent>
 </p:sld>
 </file>
 
@@ -4654,6 +4690,18 @@
   <p:clrMapOvr>
     <a:masterClrMapping/>
   </p:clrMapOvr>
+  <mc:AlternateContent xmlns:mc="http://schemas.openxmlformats.org/markup-compatibility/2006">
+    <mc:Choice xmlns:p159="http://schemas.microsoft.com/office/powerpoint/2015/09/main" Requires="p159">
+      <p:transition xmlns:p14="http://schemas.microsoft.com/office/powerpoint/2010/main" spd="slow" p14:dur="2000">
+        <p159:morph option="byObject"/>
+      </p:transition>
+    </mc:Choice>
+    <mc:Fallback>
+      <p:transition spd="slow">
+        <p:fade/>
+      </p:transition>
+    </mc:Fallback>
+  </mc:AlternateContent>
 </p:sld>
 </file>
 
@@ -4776,6 +4824,18 @@
   <p:clrMapOvr>
     <a:masterClrMapping/>
   </p:clrMapOvr>
+  <mc:AlternateContent xmlns:mc="http://schemas.openxmlformats.org/markup-compatibility/2006">
+    <mc:Choice xmlns:p159="http://schemas.microsoft.com/office/powerpoint/2015/09/main" Requires="p159">
+      <p:transition xmlns:p14="http://schemas.microsoft.com/office/powerpoint/2010/main" spd="slow" p14:dur="2000">
+        <p159:morph option="byObject"/>
+      </p:transition>
+    </mc:Choice>
+    <mc:Fallback>
+      <p:transition spd="slow">
+        <p:fade/>
+      </p:transition>
+    </mc:Fallback>
+  </mc:AlternateContent>
 </p:sld>
 </file>
 
@@ -4930,6 +4990,18 @@
   <p:clrMapOvr>
     <a:masterClrMapping/>
   </p:clrMapOvr>
+  <mc:AlternateContent xmlns:mc="http://schemas.openxmlformats.org/markup-compatibility/2006">
+    <mc:Choice xmlns:p159="http://schemas.microsoft.com/office/powerpoint/2015/09/main" Requires="p159">
+      <p:transition xmlns:p14="http://schemas.microsoft.com/office/powerpoint/2010/main" spd="slow" p14:dur="2000">
+        <p159:morph option="byObject"/>
+      </p:transition>
+    </mc:Choice>
+    <mc:Fallback>
+      <p:transition spd="slow">
+        <p:fade/>
+      </p:transition>
+    </mc:Fallback>
+  </mc:AlternateContent>
 </p:sld>
 </file>
 
@@ -5128,6 +5200,18 @@
   <p:clrMapOvr>
     <a:masterClrMapping/>
   </p:clrMapOvr>
+  <mc:AlternateContent xmlns:mc="http://schemas.openxmlformats.org/markup-compatibility/2006">
+    <mc:Choice xmlns:p159="http://schemas.microsoft.com/office/powerpoint/2015/09/main" Requires="p159">
+      <p:transition xmlns:p14="http://schemas.microsoft.com/office/powerpoint/2010/main" spd="slow" p14:dur="2000">
+        <p159:morph option="byObject"/>
+      </p:transition>
+    </mc:Choice>
+    <mc:Fallback>
+      <p:transition spd="slow">
+        <p:fade/>
+      </p:transition>
+    </mc:Fallback>
+  </mc:AlternateContent>
 </p:sld>
 </file>
 
@@ -5374,6 +5458,18 @@
   <p:clrMapOvr>
     <a:masterClrMapping/>
   </p:clrMapOvr>
+  <mc:AlternateContent xmlns:mc="http://schemas.openxmlformats.org/markup-compatibility/2006">
+    <mc:Choice xmlns:p159="http://schemas.microsoft.com/office/powerpoint/2015/09/main" Requires="p159">
+      <p:transition xmlns:p14="http://schemas.microsoft.com/office/powerpoint/2010/main" spd="slow" p14:dur="2000">
+        <p159:morph option="byObject"/>
+      </p:transition>
+    </mc:Choice>
+    <mc:Fallback>
+      <p:transition spd="slow">
+        <p:fade/>
+      </p:transition>
+    </mc:Fallback>
+  </mc:AlternateContent>
 </p:sld>
 </file>
 

--- a/vizsga1/Network Infrastructure Design and Implementation.pptx
+++ b/vizsga1/Network Infrastructure Design and Implementation.pptx
@@ -12,7 +12,9 @@
     <p:sldId id="260" r:id="rId6"/>
     <p:sldId id="261" r:id="rId7"/>
     <p:sldId id="262" r:id="rId8"/>
-    <p:sldId id="263" r:id="rId9"/>
+    <p:sldId id="265" r:id="rId9"/>
+    <p:sldId id="263" r:id="rId10"/>
+    <p:sldId id="264" r:id="rId11"/>
   </p:sldIdLst>
   <p:sldSz cx="12192000" cy="6858000"/>
   <p:notesSz cx="6858000" cy="9144000"/>
@@ -346,7 +348,7 @@
             <a:fld id="{B61BEF0D-F0BB-DE4B-95CE-6DB70DBA9567}" type="datetimeFigureOut">
               <a:rPr lang="en-US" smtClean="0"/>
               <a:pPr/>
-              <a:t>5/12/2025</a:t>
+              <a:t>5/21/2025</a:t>
             </a:fld>
             <a:endParaRPr lang="en-US" dirty="0"/>
           </a:p>
@@ -555,7 +557,7 @@
           <a:p>
             <a:fld id="{55C6B4A9-1611-4792-9094-5F34BCA07E0B}" type="datetimeFigureOut">
               <a:rPr lang="en-US" smtClean="0"/>
-              <a:t>5/12/2025</a:t>
+              <a:t>5/21/2025</a:t>
             </a:fld>
             <a:endParaRPr lang="en-US" dirty="0"/>
           </a:p>
@@ -812,7 +814,7 @@
             <a:fld id="{B61BEF0D-F0BB-DE4B-95CE-6DB70DBA9567}" type="datetimeFigureOut">
               <a:rPr lang="en-US" smtClean="0"/>
               <a:pPr/>
-              <a:t>5/12/2025</a:t>
+              <a:t>5/21/2025</a:t>
             </a:fld>
             <a:endParaRPr lang="en-US" dirty="0"/>
           </a:p>
@@ -987,7 +989,7 @@
           <a:p>
             <a:fld id="{42A54C80-263E-416B-A8E0-580EDEADCBDC}" type="datetimeFigureOut">
               <a:rPr lang="en-US" smtClean="0"/>
-              <a:t>5/12/2025</a:t>
+              <a:t>5/21/2025</a:t>
             </a:fld>
             <a:endParaRPr lang="en-US" dirty="0"/>
           </a:p>
@@ -1331,7 +1333,7 @@
             <a:fld id="{B61BEF0D-F0BB-DE4B-95CE-6DB70DBA9567}" type="datetimeFigureOut">
               <a:rPr lang="en-US" smtClean="0"/>
               <a:pPr/>
-              <a:t>5/12/2025</a:t>
+              <a:t>5/21/2025</a:t>
             </a:fld>
             <a:endParaRPr lang="en-US" dirty="0"/>
           </a:p>
@@ -1607,7 +1609,7 @@
           <a:p>
             <a:fld id="{42A54C80-263E-416B-A8E0-580EDEADCBDC}" type="datetimeFigureOut">
               <a:rPr lang="en-US" smtClean="0"/>
-              <a:t>5/12/2025</a:t>
+              <a:t>5/21/2025</a:t>
             </a:fld>
             <a:endParaRPr lang="en-US" dirty="0"/>
           </a:p>
@@ -1987,7 +1989,7 @@
             <a:fld id="{B61BEF0D-F0BB-DE4B-95CE-6DB70DBA9567}" type="datetimeFigureOut">
               <a:rPr lang="en-US" smtClean="0"/>
               <a:pPr/>
-              <a:t>5/12/2025</a:t>
+              <a:t>5/21/2025</a:t>
             </a:fld>
             <a:endParaRPr lang="en-US" dirty="0"/>
           </a:p>
@@ -2107,7 +2109,7 @@
             <a:fld id="{B61BEF0D-F0BB-DE4B-95CE-6DB70DBA9567}" type="datetimeFigureOut">
               <a:rPr lang="en-US" smtClean="0"/>
               <a:pPr/>
-              <a:t>5/12/2025</a:t>
+              <a:t>5/21/2025</a:t>
             </a:fld>
             <a:endParaRPr lang="en-US" dirty="0"/>
           </a:p>
@@ -2280,7 +2282,7 @@
             <a:fld id="{B61BEF0D-F0BB-DE4B-95CE-6DB70DBA9567}" type="datetimeFigureOut">
               <a:rPr lang="en-US" smtClean="0"/>
               <a:pPr/>
-              <a:t>5/12/2025</a:t>
+              <a:t>5/21/2025</a:t>
             </a:fld>
             <a:endParaRPr lang="en-US" dirty="0"/>
           </a:p>
@@ -2635,7 +2637,7 @@
           <a:p>
             <a:fld id="{42A54C80-263E-416B-A8E0-580EDEADCBDC}" type="datetimeFigureOut">
               <a:rPr lang="en-US" smtClean="0"/>
-              <a:t>5/12/2025</a:t>
+              <a:t>5/21/2025</a:t>
             </a:fld>
             <a:endParaRPr lang="en-US" dirty="0"/>
           </a:p>
@@ -3018,7 +3020,7 @@
             <a:fld id="{B61BEF0D-F0BB-DE4B-95CE-6DB70DBA9567}" type="datetimeFigureOut">
               <a:rPr lang="en-US" smtClean="0"/>
               <a:pPr/>
-              <a:t>5/12/2025</a:t>
+              <a:t>5/21/2025</a:t>
             </a:fld>
             <a:endParaRPr lang="en-US" dirty="0"/>
           </a:p>
@@ -3307,7 +3309,7 @@
             <a:fld id="{B61BEF0D-F0BB-DE4B-95CE-6DB70DBA9567}" type="datetimeFigureOut">
               <a:rPr lang="en-US" smtClean="0"/>
               <a:pPr/>
-              <a:t>5/12/2025</a:t>
+              <a:t>5/21/2025</a:t>
             </a:fld>
             <a:endParaRPr lang="en-US" dirty="0"/>
           </a:p>
@@ -3947,6 +3949,81 @@
   <p:clrMapOvr>
     <a:masterClrMapping/>
   </p:clrMapOvr>
+  <mc:AlternateContent xmlns:mc="http://schemas.openxmlformats.org/markup-compatibility/2006" xmlns:p159="http://schemas.microsoft.com/office/powerpoint/2015/09/main">
+    <mc:Choice Requires="p159">
+      <p:transition xmlns:p14="http://schemas.microsoft.com/office/powerpoint/2010/main" spd="slow" p14:dur="2000">
+        <p159:morph option="byObject"/>
+      </p:transition>
+    </mc:Choice>
+    <mc:Fallback xmlns="">
+      <p:transition spd="slow">
+        <p:fade/>
+      </p:transition>
+    </mc:Fallback>
+  </mc:AlternateContent>
+</p:sld>
+</file>
+
+<file path=ppt/slides/slide10.xml><?xml version="1.0" encoding="utf-8"?>
+<p:sld xmlns:a="http://schemas.openxmlformats.org/drawingml/2006/main" xmlns:r="http://schemas.openxmlformats.org/officeDocument/2006/relationships" xmlns:p="http://schemas.openxmlformats.org/presentationml/2006/main">
+  <p:cSld>
+    <p:spTree>
+      <p:nvGrpSpPr>
+        <p:cNvPr id="1" name=""/>
+        <p:cNvGrpSpPr/>
+        <p:nvPr/>
+      </p:nvGrpSpPr>
+      <p:grpSpPr>
+        <a:xfrm>
+          <a:off x="0" y="0"/>
+          <a:ext cx="0" cy="0"/>
+          <a:chOff x="0" y="0"/>
+          <a:chExt cx="0" cy="0"/>
+        </a:xfrm>
+      </p:grpSpPr>
+      <p:sp>
+        <p:nvSpPr>
+          <p:cNvPr id="2" name="Cím 1">
+            <a:extLst>
+              <a:ext uri="{FF2B5EF4-FFF2-40B4-BE49-F238E27FC236}">
+                <a16:creationId xmlns:a16="http://schemas.microsoft.com/office/drawing/2014/main" id="{89C56574-53F7-6876-E837-F573D53AB221}"/>
+              </a:ext>
+            </a:extLst>
+          </p:cNvPr>
+          <p:cNvSpPr>
+            <a:spLocks noGrp="1"/>
+          </p:cNvSpPr>
+          <p:nvPr>
+            <p:ph type="title"/>
+          </p:nvPr>
+        </p:nvSpPr>
+        <p:spPr>
+          <a:xfrm>
+            <a:off x="1711431" y="1446662"/>
+            <a:ext cx="10058400" cy="1414034"/>
+          </a:xfrm>
+        </p:spPr>
+        <p:txBody>
+          <a:bodyPr/>
+          <a:lstStyle/>
+          <a:p>
+            <a:r>
+              <a:rPr lang="hu-HU" dirty="0"/>
+              <a:t>THANK YOU FOR YOUR ATTENTION!</a:t>
+            </a:r>
+          </a:p>
+        </p:txBody>
+      </p:sp>
+    </p:spTree>
+    <p:extLst>
+      <p:ext uri="{BB962C8B-B14F-4D97-AF65-F5344CB8AC3E}">
+        <p14:creationId xmlns:p14="http://schemas.microsoft.com/office/powerpoint/2010/main" val="2895859147"/>
+      </p:ext>
+    </p:extLst>
+  </p:cSld>
+  <p:clrMapOvr>
+    <a:masterClrMapping/>
+  </p:clrMapOvr>
   <mc:AlternateContent xmlns:mc="http://schemas.openxmlformats.org/markup-compatibility/2006">
     <mc:Choice xmlns:p159="http://schemas.microsoft.com/office/powerpoint/2015/09/main" Requires="p159">
       <p:transition xmlns:p14="http://schemas.microsoft.com/office/powerpoint/2010/main" spd="slow" p14:dur="2000">
@@ -4125,13 +4202,13 @@
   <p:clrMapOvr>
     <a:masterClrMapping/>
   </p:clrMapOvr>
-  <mc:AlternateContent xmlns:mc="http://schemas.openxmlformats.org/markup-compatibility/2006">
-    <mc:Choice xmlns:p159="http://schemas.microsoft.com/office/powerpoint/2015/09/main" Requires="p159">
+  <mc:AlternateContent xmlns:mc="http://schemas.openxmlformats.org/markup-compatibility/2006" xmlns:p159="http://schemas.microsoft.com/office/powerpoint/2015/09/main">
+    <mc:Choice Requires="p159">
       <p:transition xmlns:p14="http://schemas.microsoft.com/office/powerpoint/2010/main" spd="slow" p14:dur="2000">
         <p159:morph option="byObject"/>
       </p:transition>
     </mc:Choice>
-    <mc:Fallback>
+    <mc:Fallback xmlns="">
       <p:transition spd="slow">
         <p:fade/>
       </p:transition>
@@ -4551,13 +4628,13 @@
   <p:clrMapOvr>
     <a:masterClrMapping/>
   </p:clrMapOvr>
-  <mc:AlternateContent xmlns:mc="http://schemas.openxmlformats.org/markup-compatibility/2006">
-    <mc:Choice xmlns:p159="http://schemas.microsoft.com/office/powerpoint/2015/09/main" Requires="p159">
+  <mc:AlternateContent xmlns:mc="http://schemas.openxmlformats.org/markup-compatibility/2006" xmlns:p159="http://schemas.microsoft.com/office/powerpoint/2015/09/main">
+    <mc:Choice Requires="p159">
       <p:transition xmlns:p14="http://schemas.microsoft.com/office/powerpoint/2010/main" spd="slow" p14:dur="2000">
         <p159:morph option="byObject"/>
       </p:transition>
     </mc:Choice>
-    <mc:Fallback>
+    <mc:Fallback xmlns="">
       <p:transition spd="slow">
         <p:fade/>
       </p:transition>
@@ -4690,13 +4767,13 @@
   <p:clrMapOvr>
     <a:masterClrMapping/>
   </p:clrMapOvr>
-  <mc:AlternateContent xmlns:mc="http://schemas.openxmlformats.org/markup-compatibility/2006">
-    <mc:Choice xmlns:p159="http://schemas.microsoft.com/office/powerpoint/2015/09/main" Requires="p159">
+  <mc:AlternateContent xmlns:mc="http://schemas.openxmlformats.org/markup-compatibility/2006" xmlns:p159="http://schemas.microsoft.com/office/powerpoint/2015/09/main">
+    <mc:Choice Requires="p159">
       <p:transition xmlns:p14="http://schemas.microsoft.com/office/powerpoint/2010/main" spd="slow" p14:dur="2000">
         <p159:morph option="byObject"/>
       </p:transition>
     </mc:Choice>
-    <mc:Fallback>
+    <mc:Fallback xmlns="">
       <p:transition spd="slow">
         <p:fade/>
       </p:transition>
@@ -4824,13 +4901,13 @@
   <p:clrMapOvr>
     <a:masterClrMapping/>
   </p:clrMapOvr>
-  <mc:AlternateContent xmlns:mc="http://schemas.openxmlformats.org/markup-compatibility/2006">
-    <mc:Choice xmlns:p159="http://schemas.microsoft.com/office/powerpoint/2015/09/main" Requires="p159">
+  <mc:AlternateContent xmlns:mc="http://schemas.openxmlformats.org/markup-compatibility/2006" xmlns:p159="http://schemas.microsoft.com/office/powerpoint/2015/09/main">
+    <mc:Choice Requires="p159">
       <p:transition xmlns:p14="http://schemas.microsoft.com/office/powerpoint/2010/main" spd="slow" p14:dur="2000">
         <p159:morph option="byObject"/>
       </p:transition>
     </mc:Choice>
-    <mc:Fallback>
+    <mc:Fallback xmlns="">
       <p:transition spd="slow">
         <p:fade/>
       </p:transition>
@@ -4990,13 +5067,13 @@
   <p:clrMapOvr>
     <a:masterClrMapping/>
   </p:clrMapOvr>
-  <mc:AlternateContent xmlns:mc="http://schemas.openxmlformats.org/markup-compatibility/2006">
-    <mc:Choice xmlns:p159="http://schemas.microsoft.com/office/powerpoint/2015/09/main" Requires="p159">
+  <mc:AlternateContent xmlns:mc="http://schemas.openxmlformats.org/markup-compatibility/2006" xmlns:p159="http://schemas.microsoft.com/office/powerpoint/2015/09/main">
+    <mc:Choice Requires="p159">
       <p:transition xmlns:p14="http://schemas.microsoft.com/office/powerpoint/2010/main" spd="slow" p14:dur="2000">
         <p159:morph option="byObject"/>
       </p:transition>
     </mc:Choice>
-    <mc:Fallback>
+    <mc:Fallback xmlns="">
       <p:transition spd="slow">
         <p:fade/>
       </p:transition>
@@ -5200,13 +5277,13 @@
   <p:clrMapOvr>
     <a:masterClrMapping/>
   </p:clrMapOvr>
-  <mc:AlternateContent xmlns:mc="http://schemas.openxmlformats.org/markup-compatibility/2006">
-    <mc:Choice xmlns:p159="http://schemas.microsoft.com/office/powerpoint/2015/09/main" Requires="p159">
+  <mc:AlternateContent xmlns:mc="http://schemas.openxmlformats.org/markup-compatibility/2006" xmlns:p159="http://schemas.microsoft.com/office/powerpoint/2015/09/main">
+    <mc:Choice Requires="p159">
       <p:transition xmlns:p14="http://schemas.microsoft.com/office/powerpoint/2010/main" spd="slow" p14:dur="2000">
         <p159:morph option="byObject"/>
       </p:transition>
     </mc:Choice>
-    <mc:Fallback>
+    <mc:Fallback xmlns="">
       <p:transition spd="slow">
         <p:fade/>
       </p:transition>
@@ -5237,6 +5314,125 @@
           <p:cNvPr id="2" name="Cím 1">
             <a:extLst>
               <a:ext uri="{FF2B5EF4-FFF2-40B4-BE49-F238E27FC236}">
+                <a16:creationId xmlns:a16="http://schemas.microsoft.com/office/drawing/2014/main" id="{8A1F46AC-7F71-7711-3E32-9A9520A4C9EE}"/>
+              </a:ext>
+            </a:extLst>
+          </p:cNvPr>
+          <p:cNvSpPr>
+            <a:spLocks noGrp="1"/>
+          </p:cNvSpPr>
+          <p:nvPr>
+            <p:ph type="title"/>
+          </p:nvPr>
+        </p:nvSpPr>
+        <p:spPr/>
+        <p:txBody>
+          <a:bodyPr/>
+          <a:lstStyle/>
+          <a:p>
+            <a:r>
+              <a:rPr lang="hu-HU" dirty="0"/>
+              <a:t>Testing</a:t>
+            </a:r>
+          </a:p>
+        </p:txBody>
+      </p:sp>
+      <p:sp>
+        <p:nvSpPr>
+          <p:cNvPr id="3" name="Tartalom helye 2">
+            <a:extLst>
+              <a:ext uri="{FF2B5EF4-FFF2-40B4-BE49-F238E27FC236}">
+                <a16:creationId xmlns:a16="http://schemas.microsoft.com/office/drawing/2014/main" id="{31AE4766-4825-38A6-B711-047EBFD41211}"/>
+              </a:ext>
+            </a:extLst>
+          </p:cNvPr>
+          <p:cNvSpPr>
+            <a:spLocks noGrp="1"/>
+          </p:cNvSpPr>
+          <p:nvPr>
+            <p:ph idx="1"/>
+          </p:nvPr>
+        </p:nvSpPr>
+        <p:spPr/>
+        <p:txBody>
+          <a:bodyPr/>
+          <a:lstStyle/>
+          <a:p>
+            <a:endParaRPr lang="hu-HU"/>
+          </a:p>
+        </p:txBody>
+      </p:sp>
+      <p:pic>
+        <p:nvPicPr>
+          <p:cNvPr id="6" name="Kép 5">
+            <a:extLst>
+              <a:ext uri="{FF2B5EF4-FFF2-40B4-BE49-F238E27FC236}">
+                <a16:creationId xmlns:a16="http://schemas.microsoft.com/office/drawing/2014/main" id="{541E4353-6541-29E5-5D86-7452B0C6FB6D}"/>
+              </a:ext>
+            </a:extLst>
+          </p:cNvPr>
+          <p:cNvPicPr>
+            <a:picLocks noChangeAspect="1"/>
+          </p:cNvPicPr>
+          <p:nvPr/>
+        </p:nvPicPr>
+        <p:blipFill>
+          <a:blip r:embed="rId2">
+            <a:extLst>
+              <a:ext uri="{28A0092B-C50C-407E-A947-70E740481C1C}">
+                <a14:useLocalDpi xmlns:a14="http://schemas.microsoft.com/office/drawing/2010/main" val="0"/>
+              </a:ext>
+            </a:extLst>
+          </a:blip>
+          <a:stretch>
+            <a:fillRect/>
+          </a:stretch>
+        </p:blipFill>
+        <p:spPr>
+          <a:xfrm>
+            <a:off x="2204277" y="1845734"/>
+            <a:ext cx="7844406" cy="3748387"/>
+          </a:xfrm>
+          <a:prstGeom prst="rect">
+            <a:avLst/>
+          </a:prstGeom>
+        </p:spPr>
+      </p:pic>
+    </p:spTree>
+    <p:extLst>
+      <p:ext uri="{BB962C8B-B14F-4D97-AF65-F5344CB8AC3E}">
+        <p14:creationId xmlns:p14="http://schemas.microsoft.com/office/powerpoint/2010/main" val="2353603645"/>
+      </p:ext>
+    </p:extLst>
+  </p:cSld>
+  <p:clrMapOvr>
+    <a:masterClrMapping/>
+  </p:clrMapOvr>
+</p:sld>
+</file>
+
+<file path=ppt/slides/slide9.xml><?xml version="1.0" encoding="utf-8"?>
+<p:sld xmlns:a="http://schemas.openxmlformats.org/drawingml/2006/main" xmlns:r="http://schemas.openxmlformats.org/officeDocument/2006/relationships" xmlns:p="http://schemas.openxmlformats.org/presentationml/2006/main">
+  <p:cSld>
+    <p:spTree>
+      <p:nvGrpSpPr>
+        <p:cNvPr id="1" name=""/>
+        <p:cNvGrpSpPr/>
+        <p:nvPr/>
+      </p:nvGrpSpPr>
+      <p:grpSpPr>
+        <a:xfrm>
+          <a:off x="0" y="0"/>
+          <a:ext cx="0" cy="0"/>
+          <a:chOff x="0" y="0"/>
+          <a:chExt cx="0" cy="0"/>
+        </a:xfrm>
+      </p:grpSpPr>
+      <p:sp>
+        <p:nvSpPr>
+          <p:cNvPr id="2" name="Cím 1">
+            <a:extLst>
+              <a:ext uri="{FF2B5EF4-FFF2-40B4-BE49-F238E27FC236}">
                 <a16:creationId xmlns:a16="http://schemas.microsoft.com/office/drawing/2014/main" id="{4881A8CE-8FC7-4AF7-92D7-81FFE557EA18}"/>
               </a:ext>
             </a:extLst>
@@ -5458,13 +5654,13 @@
   <p:clrMapOvr>
     <a:masterClrMapping/>
   </p:clrMapOvr>
-  <mc:AlternateContent xmlns:mc="http://schemas.openxmlformats.org/markup-compatibility/2006">
-    <mc:Choice xmlns:p159="http://schemas.microsoft.com/office/powerpoint/2015/09/main" Requires="p159">
+  <mc:AlternateContent xmlns:mc="http://schemas.openxmlformats.org/markup-compatibility/2006" xmlns:p159="http://schemas.microsoft.com/office/powerpoint/2015/09/main">
+    <mc:Choice Requires="p159">
       <p:transition xmlns:p14="http://schemas.microsoft.com/office/powerpoint/2010/main" spd="slow" p14:dur="2000">
         <p159:morph option="byObject"/>
       </p:transition>
     </mc:Choice>
-    <mc:Fallback>
+    <mc:Fallback xmlns="">
       <p:transition spd="slow">
         <p:fade/>
       </p:transition>

--- a/vizsga1/Network Infrastructure Design and Implementation.pptx
+++ b/vizsga1/Network Infrastructure Design and Implementation.pptx
@@ -12,9 +12,8 @@
     <p:sldId id="260" r:id="rId6"/>
     <p:sldId id="261" r:id="rId7"/>
     <p:sldId id="262" r:id="rId8"/>
-    <p:sldId id="265" r:id="rId9"/>
-    <p:sldId id="263" r:id="rId10"/>
-    <p:sldId id="264" r:id="rId11"/>
+    <p:sldId id="263" r:id="rId9"/>
+    <p:sldId id="264" r:id="rId10"/>
   </p:sldIdLst>
   <p:sldSz cx="12192000" cy="6858000"/>
   <p:notesSz cx="6858000" cy="9144000"/>
@@ -3964,81 +3963,6 @@
 </p:sld>
 </file>
 
-<file path=ppt/slides/slide10.xml><?xml version="1.0" encoding="utf-8"?>
-<p:sld xmlns:a="http://schemas.openxmlformats.org/drawingml/2006/main" xmlns:r="http://schemas.openxmlformats.org/officeDocument/2006/relationships" xmlns:p="http://schemas.openxmlformats.org/presentationml/2006/main">
-  <p:cSld>
-    <p:spTree>
-      <p:nvGrpSpPr>
-        <p:cNvPr id="1" name=""/>
-        <p:cNvGrpSpPr/>
-        <p:nvPr/>
-      </p:nvGrpSpPr>
-      <p:grpSpPr>
-        <a:xfrm>
-          <a:off x="0" y="0"/>
-          <a:ext cx="0" cy="0"/>
-          <a:chOff x="0" y="0"/>
-          <a:chExt cx="0" cy="0"/>
-        </a:xfrm>
-      </p:grpSpPr>
-      <p:sp>
-        <p:nvSpPr>
-          <p:cNvPr id="2" name="Cím 1">
-            <a:extLst>
-              <a:ext uri="{FF2B5EF4-FFF2-40B4-BE49-F238E27FC236}">
-                <a16:creationId xmlns:a16="http://schemas.microsoft.com/office/drawing/2014/main" id="{89C56574-53F7-6876-E837-F573D53AB221}"/>
-              </a:ext>
-            </a:extLst>
-          </p:cNvPr>
-          <p:cNvSpPr>
-            <a:spLocks noGrp="1"/>
-          </p:cNvSpPr>
-          <p:nvPr>
-            <p:ph type="title"/>
-          </p:nvPr>
-        </p:nvSpPr>
-        <p:spPr>
-          <a:xfrm>
-            <a:off x="1711431" y="1446662"/>
-            <a:ext cx="10058400" cy="1414034"/>
-          </a:xfrm>
-        </p:spPr>
-        <p:txBody>
-          <a:bodyPr/>
-          <a:lstStyle/>
-          <a:p>
-            <a:r>
-              <a:rPr lang="hu-HU" dirty="0"/>
-              <a:t>THANK YOU FOR YOUR ATTENTION!</a:t>
-            </a:r>
-          </a:p>
-        </p:txBody>
-      </p:sp>
-    </p:spTree>
-    <p:extLst>
-      <p:ext uri="{BB962C8B-B14F-4D97-AF65-F5344CB8AC3E}">
-        <p14:creationId xmlns:p14="http://schemas.microsoft.com/office/powerpoint/2010/main" val="2895859147"/>
-      </p:ext>
-    </p:extLst>
-  </p:cSld>
-  <p:clrMapOvr>
-    <a:masterClrMapping/>
-  </p:clrMapOvr>
-  <mc:AlternateContent xmlns:mc="http://schemas.openxmlformats.org/markup-compatibility/2006">
-    <mc:Choice xmlns:p159="http://schemas.microsoft.com/office/powerpoint/2015/09/main" Requires="p159">
-      <p:transition xmlns:p14="http://schemas.microsoft.com/office/powerpoint/2010/main" spd="slow" p14:dur="2000">
-        <p159:morph option="byObject"/>
-      </p:transition>
-    </mc:Choice>
-    <mc:Fallback>
-      <p:transition spd="slow">
-        <p:fade/>
-      </p:transition>
-    </mc:Fallback>
-  </mc:AlternateContent>
-</p:sld>
-</file>
-
 <file path=ppt/slides/slide2.xml><?xml version="1.0" encoding="utf-8"?>
 <p:sld xmlns:a="http://schemas.openxmlformats.org/drawingml/2006/main" xmlns:r="http://schemas.openxmlformats.org/officeDocument/2006/relationships" xmlns:p="http://schemas.openxmlformats.org/presentationml/2006/main">
   <p:cSld>
@@ -5237,29 +5161,188 @@
             <a:pPr lvl="1"/>
             <a:r>
               <a:rPr lang="hu-HU" dirty="0"/>
-              <a:t>DHCP</a:t>
+              <a:t>DHCP (</a:t>
+            </a:r>
+            <a:r>
+              <a:rPr lang="hu-HU" dirty="0" err="1"/>
+              <a:t>Dynamic</a:t>
+            </a:r>
+            <a:r>
+              <a:rPr lang="hu-HU" dirty="0"/>
+              <a:t> </a:t>
+            </a:r>
+            <a:r>
+              <a:rPr lang="hu-HU" dirty="0" err="1"/>
+              <a:t>Host</a:t>
+            </a:r>
+            <a:r>
+              <a:rPr lang="hu-HU" dirty="0"/>
+              <a:t> </a:t>
+            </a:r>
+            <a:r>
+              <a:rPr lang="hu-HU" dirty="0" err="1"/>
+              <a:t>Configuration</a:t>
+            </a:r>
+            <a:r>
+              <a:rPr lang="hu-HU" dirty="0"/>
+              <a:t> </a:t>
+            </a:r>
+            <a:r>
+              <a:rPr lang="hu-HU" dirty="0" err="1"/>
+              <a:t>Protocol</a:t>
+            </a:r>
+            <a:r>
+              <a:rPr lang="hu-HU" dirty="0"/>
+              <a:t>)</a:t>
             </a:r>
           </a:p>
           <a:p>
             <a:pPr lvl="1"/>
             <a:r>
               <a:rPr lang="hu-HU" dirty="0"/>
-              <a:t>VLAN</a:t>
+              <a:t>VLAN (</a:t>
+            </a:r>
+            <a:r>
+              <a:rPr lang="hu-HU" dirty="0" err="1"/>
+              <a:t>Virtual</a:t>
+            </a:r>
+            <a:r>
+              <a:rPr lang="hu-HU" dirty="0"/>
+              <a:t> Local </a:t>
+            </a:r>
+            <a:r>
+              <a:rPr lang="hu-HU" dirty="0" err="1"/>
+              <a:t>Area</a:t>
+            </a:r>
+            <a:r>
+              <a:rPr lang="hu-HU" dirty="0"/>
+              <a:t> Network)</a:t>
             </a:r>
           </a:p>
           <a:p>
             <a:pPr lvl="1"/>
             <a:r>
               <a:rPr lang="hu-HU" dirty="0"/>
-              <a:t>OSPF</a:t>
+              <a:t>OSPF (Open </a:t>
+            </a:r>
+            <a:r>
+              <a:rPr lang="hu-HU" dirty="0" err="1"/>
+              <a:t>Shortest</a:t>
+            </a:r>
+            <a:r>
+              <a:rPr lang="hu-HU" dirty="0"/>
+              <a:t> </a:t>
+            </a:r>
+            <a:r>
+              <a:rPr lang="hu-HU" dirty="0" err="1"/>
+              <a:t>Path</a:t>
+            </a:r>
+            <a:r>
+              <a:rPr lang="hu-HU" dirty="0"/>
+              <a:t> </a:t>
+            </a:r>
+            <a:r>
+              <a:rPr lang="hu-HU" dirty="0" err="1"/>
+              <a:t>First</a:t>
+            </a:r>
+            <a:r>
+              <a:rPr lang="hu-HU" dirty="0"/>
+              <a:t>)</a:t>
             </a:r>
           </a:p>
           <a:p>
             <a:pPr lvl="1"/>
             <a:r>
               <a:rPr lang="hu-HU" dirty="0"/>
-              <a:t>WAN</a:t>
-            </a:r>
+              <a:t>WAN  (Wide </a:t>
+            </a:r>
+            <a:r>
+              <a:rPr lang="hu-HU" dirty="0" err="1"/>
+              <a:t>Area</a:t>
+            </a:r>
+            <a:r>
+              <a:rPr lang="hu-HU" dirty="0"/>
+              <a:t> Network)</a:t>
+            </a:r>
+          </a:p>
+          <a:p>
+            <a:pPr lvl="1"/>
+            <a:r>
+              <a:rPr lang="hu-HU" dirty="0"/>
+              <a:t>VSRP, HSRP (</a:t>
+            </a:r>
+            <a:r>
+              <a:rPr lang="hu-HU" dirty="0" err="1"/>
+              <a:t>Virtual</a:t>
+            </a:r>
+            <a:r>
+              <a:rPr lang="hu-HU" dirty="0"/>
+              <a:t> </a:t>
+            </a:r>
+            <a:r>
+              <a:rPr lang="hu-HU" dirty="0" err="1"/>
+              <a:t>Switch</a:t>
+            </a:r>
+            <a:r>
+              <a:rPr lang="hu-HU" dirty="0"/>
+              <a:t> </a:t>
+            </a:r>
+            <a:r>
+              <a:rPr lang="hu-HU" dirty="0" err="1"/>
+              <a:t>Redundancy</a:t>
+            </a:r>
+            <a:r>
+              <a:rPr lang="hu-HU" dirty="0"/>
+              <a:t> </a:t>
+            </a:r>
+            <a:r>
+              <a:rPr lang="hu-HU" dirty="0" err="1"/>
+              <a:t>Protocol</a:t>
+            </a:r>
+            <a:r>
+              <a:rPr lang="hu-HU" dirty="0"/>
+              <a:t>, Hot </a:t>
+            </a:r>
+            <a:r>
+              <a:rPr lang="hu-HU" dirty="0" err="1"/>
+              <a:t>Standby</a:t>
+            </a:r>
+            <a:r>
+              <a:rPr lang="hu-HU" dirty="0"/>
+              <a:t> Router </a:t>
+            </a:r>
+            <a:r>
+              <a:rPr lang="hu-HU" dirty="0" err="1"/>
+              <a:t>Protocol</a:t>
+            </a:r>
+            <a:r>
+              <a:rPr lang="hu-HU" dirty="0"/>
+              <a:t>)</a:t>
+            </a:r>
+          </a:p>
+          <a:p>
+            <a:pPr lvl="1"/>
+            <a:r>
+              <a:rPr lang="hu-HU" dirty="0"/>
+              <a:t>VPN (</a:t>
+            </a:r>
+            <a:r>
+              <a:rPr lang="hu-HU" dirty="0" err="1"/>
+              <a:t>Virtual</a:t>
+            </a:r>
+            <a:r>
+              <a:rPr lang="hu-HU" dirty="0"/>
+              <a:t> </a:t>
+            </a:r>
+            <a:r>
+              <a:rPr lang="hu-HU" dirty="0" err="1"/>
+              <a:t>Private</a:t>
+            </a:r>
+            <a:r>
+              <a:rPr lang="hu-HU"/>
+              <a:t> Network)</a:t>
+            </a:r>
+            <a:endParaRPr lang="hu-HU" dirty="0"/>
           </a:p>
           <a:p>
             <a:pPr lvl="1"/>
@@ -5314,7 +5397,7 @@
           <p:cNvPr id="2" name="Cím 1">
             <a:extLst>
               <a:ext uri="{FF2B5EF4-FFF2-40B4-BE49-F238E27FC236}">
-                <a16:creationId xmlns:a16="http://schemas.microsoft.com/office/drawing/2014/main" id="{8A1F46AC-7F71-7711-3E32-9A9520A4C9EE}"/>
+                <a16:creationId xmlns:a16="http://schemas.microsoft.com/office/drawing/2014/main" id="{4881A8CE-8FC7-4AF7-92D7-81FFE557EA18}"/>
               </a:ext>
             </a:extLst>
           </p:cNvPr>
@@ -5330,10 +5413,26 @@
           <a:bodyPr/>
           <a:lstStyle/>
           <a:p>
-            <a:r>
-              <a:rPr lang="hu-HU" dirty="0"/>
-              <a:t>Testing</a:t>
-            </a:r>
+            <a:br>
+              <a:rPr lang="hu-HU" dirty="0"/>
+            </a:br>
+            <a:r>
+              <a:rPr lang="hu-HU" dirty="0"/>
+              <a:t>Group </a:t>
+            </a:r>
+            <a:r>
+              <a:rPr lang="hu-HU" dirty="0" err="1"/>
+              <a:t>work</a:t>
+            </a:r>
+            <a:r>
+              <a:rPr lang="hu-HU" dirty="0"/>
+              <a:t> </a:t>
+            </a:r>
+            <a:r>
+              <a:rPr lang="hu-HU" dirty="0" err="1"/>
+              <a:t>division</a:t>
+            </a:r>
+            <a:endParaRPr lang="hu-HU" dirty="0"/>
           </a:p>
         </p:txBody>
       </p:sp>
@@ -5342,7 +5441,7 @@
           <p:cNvPr id="3" name="Tartalom helye 2">
             <a:extLst>
               <a:ext uri="{FF2B5EF4-FFF2-40B4-BE49-F238E27FC236}">
-                <a16:creationId xmlns:a16="http://schemas.microsoft.com/office/drawing/2014/main" id="{31AE4766-4825-38A6-B711-047EBFD41211}"/>
+                <a16:creationId xmlns:a16="http://schemas.microsoft.com/office/drawing/2014/main" id="{74E5F4E4-BDD1-486A-8B01-989EF4C747B5}"/>
               </a:ext>
             </a:extLst>
           </p:cNvPr>
@@ -5353,61 +5452,184 @@
             <p:ph idx="1"/>
           </p:nvPr>
         </p:nvSpPr>
-        <p:spPr/>
-        <p:txBody>
-          <a:bodyPr/>
-          <a:lstStyle/>
-          <a:p>
-            <a:endParaRPr lang="hu-HU"/>
-          </a:p>
-        </p:txBody>
-      </p:sp>
-      <p:pic>
-        <p:nvPicPr>
-          <p:cNvPr id="6" name="Kép 5">
-            <a:extLst>
-              <a:ext uri="{FF2B5EF4-FFF2-40B4-BE49-F238E27FC236}">
-                <a16:creationId xmlns:a16="http://schemas.microsoft.com/office/drawing/2014/main" id="{541E4353-6541-29E5-5D86-7452B0C6FB6D}"/>
-              </a:ext>
-            </a:extLst>
-          </p:cNvPr>
-          <p:cNvPicPr>
-            <a:picLocks noChangeAspect="1"/>
-          </p:cNvPicPr>
-          <p:nvPr/>
-        </p:nvPicPr>
-        <p:blipFill>
-          <a:blip r:embed="rId2">
-            <a:extLst>
-              <a:ext uri="{28A0092B-C50C-407E-A947-70E740481C1C}">
-                <a14:useLocalDpi xmlns:a14="http://schemas.microsoft.com/office/drawing/2010/main" val="0"/>
-              </a:ext>
-            </a:extLst>
-          </a:blip>
-          <a:stretch>
-            <a:fillRect/>
-          </a:stretch>
-        </p:blipFill>
-        <p:spPr>
-          <a:xfrm>
-            <a:off x="2204277" y="1845734"/>
-            <a:ext cx="7844406" cy="3748387"/>
-          </a:xfrm>
-          <a:prstGeom prst="rect">
-            <a:avLst/>
-          </a:prstGeom>
-        </p:spPr>
-      </p:pic>
+        <p:spPr>
+          <a:xfrm>
+            <a:off x="1084580" y="1845734"/>
+            <a:ext cx="10058400" cy="4023360"/>
+          </a:xfrm>
+        </p:spPr>
+        <p:txBody>
+          <a:bodyPr>
+            <a:normAutofit lnSpcReduction="10000"/>
+          </a:bodyPr>
+          <a:lstStyle/>
+          <a:p>
+            <a:pPr marL="0" indent="0">
+              <a:buNone/>
+            </a:pPr>
+            <a:r>
+              <a:rPr lang="hu-HU" b="1" dirty="0"/>
+              <a:t> </a:t>
+            </a:r>
+            <a:br>
+              <a:rPr lang="hu-HU" b="1" dirty="0"/>
+            </a:br>
+            <a:r>
+              <a:rPr lang="hu-HU" b="1" dirty="0"/>
+              <a:t> </a:t>
+            </a:r>
+            <a:r>
+              <a:rPr lang="hu-HU" b="1" dirty="0" err="1"/>
+              <a:t>Berki</a:t>
+            </a:r>
+            <a:r>
+              <a:rPr lang="hu-HU" b="1" dirty="0"/>
+              <a:t> Dorina:</a:t>
+            </a:r>
+            <a:br>
+              <a:rPr lang="hu-HU" dirty="0"/>
+            </a:br>
+            <a:r>
+              <a:rPr lang="hu-HU" dirty="0"/>
+              <a:t> Linux server, DHCP, DNS</a:t>
+            </a:r>
+          </a:p>
+          <a:p>
+            <a:pPr marL="0" indent="0">
+              <a:buNone/>
+            </a:pPr>
+            <a:endParaRPr lang="hu-HU" dirty="0"/>
+          </a:p>
+          <a:p>
+            <a:r>
+              <a:rPr lang="hu-HU" b="1" dirty="0" err="1"/>
+              <a:t>Csépányi</a:t>
+            </a:r>
+            <a:r>
+              <a:rPr lang="hu-HU" b="1" dirty="0"/>
+              <a:t>-Bárdos Letícia:</a:t>
+            </a:r>
+            <a:br>
+              <a:rPr lang="hu-HU" dirty="0"/>
+            </a:br>
+            <a:r>
+              <a:rPr lang="hu-HU" dirty="0" err="1"/>
+              <a:t>Documentation</a:t>
+            </a:r>
+            <a:r>
+              <a:rPr lang="hu-HU" dirty="0"/>
+              <a:t>,</a:t>
+            </a:r>
+            <a:br>
+              <a:rPr lang="hu-HU" dirty="0"/>
+            </a:br>
+            <a:r>
+              <a:rPr lang="hu-HU" dirty="0" err="1"/>
+              <a:t>Hungarian-language</a:t>
+            </a:r>
+            <a:r>
+              <a:rPr lang="hu-HU" dirty="0"/>
+              <a:t> </a:t>
+            </a:r>
+            <a:r>
+              <a:rPr lang="hu-HU" dirty="0" err="1"/>
+              <a:t>presentation</a:t>
+            </a:r>
+            <a:endParaRPr lang="hu-HU" dirty="0"/>
+          </a:p>
+          <a:p>
+            <a:endParaRPr lang="hu-HU" dirty="0"/>
+          </a:p>
+          <a:p>
+            <a:r>
+              <a:rPr lang="hu-HU" b="1" dirty="0"/>
+              <a:t>Budai József:</a:t>
+            </a:r>
+            <a:br>
+              <a:rPr lang="hu-HU" dirty="0"/>
+            </a:br>
+            <a:r>
+              <a:rPr lang="hu-HU" dirty="0"/>
+              <a:t>Network </a:t>
+            </a:r>
+            <a:r>
+              <a:rPr lang="hu-HU" dirty="0" err="1"/>
+              <a:t>topology</a:t>
+            </a:r>
+            <a:r>
+              <a:rPr lang="hu-HU" dirty="0"/>
+              <a:t> </a:t>
+            </a:r>
+            <a:r>
+              <a:rPr lang="hu-HU" dirty="0" err="1"/>
+              <a:t>creation</a:t>
+            </a:r>
+            <a:r>
+              <a:rPr lang="hu-HU" dirty="0"/>
+              <a:t> and </a:t>
+            </a:r>
+            <a:r>
+              <a:rPr lang="hu-HU" dirty="0" err="1"/>
+              <a:t>programming</a:t>
+            </a:r>
+            <a:r>
+              <a:rPr lang="hu-HU" dirty="0"/>
+              <a:t>,</a:t>
+            </a:r>
+            <a:br>
+              <a:rPr lang="hu-HU" dirty="0"/>
+            </a:br>
+            <a:r>
+              <a:rPr lang="hu-HU" dirty="0"/>
+              <a:t>English-</a:t>
+            </a:r>
+            <a:r>
+              <a:rPr lang="hu-HU" dirty="0" err="1"/>
+              <a:t>language</a:t>
+            </a:r>
+            <a:r>
+              <a:rPr lang="hu-HU" dirty="0"/>
+              <a:t> </a:t>
+            </a:r>
+            <a:r>
+              <a:rPr lang="hu-HU" dirty="0" err="1"/>
+              <a:t>presentation</a:t>
+            </a:r>
+            <a:r>
+              <a:rPr lang="hu-HU" dirty="0"/>
+              <a:t>.</a:t>
+            </a:r>
+          </a:p>
+          <a:p>
+            <a:r>
+              <a:rPr lang="hu-HU" dirty="0"/>
+              <a:t> </a:t>
+            </a:r>
+          </a:p>
+        </p:txBody>
+      </p:sp>
     </p:spTree>
     <p:extLst>
       <p:ext uri="{BB962C8B-B14F-4D97-AF65-F5344CB8AC3E}">
-        <p14:creationId xmlns:p14="http://schemas.microsoft.com/office/powerpoint/2010/main" val="2353603645"/>
+        <p14:creationId xmlns:p14="http://schemas.microsoft.com/office/powerpoint/2010/main" val="2907273096"/>
       </p:ext>
     </p:extLst>
   </p:cSld>
   <p:clrMapOvr>
     <a:masterClrMapping/>
   </p:clrMapOvr>
+  <mc:AlternateContent xmlns:mc="http://schemas.openxmlformats.org/markup-compatibility/2006" xmlns:p159="http://schemas.microsoft.com/office/powerpoint/2015/09/main">
+    <mc:Choice Requires="p159">
+      <p:transition xmlns:p14="http://schemas.microsoft.com/office/powerpoint/2010/main" spd="slow" p14:dur="2000">
+        <p159:morph option="byObject"/>
+      </p:transition>
+    </mc:Choice>
+    <mc:Fallback xmlns="">
+      <p:transition spd="slow">
+        <p:fade/>
+      </p:transition>
+    </mc:Fallback>
+  </mc:AlternateContent>
 </p:sld>
 </file>
 
@@ -5433,7 +5655,7 @@
           <p:cNvPr id="2" name="Cím 1">
             <a:extLst>
               <a:ext uri="{FF2B5EF4-FFF2-40B4-BE49-F238E27FC236}">
-                <a16:creationId xmlns:a16="http://schemas.microsoft.com/office/drawing/2014/main" id="{4881A8CE-8FC7-4AF7-92D7-81FFE557EA18}"/>
+                <a16:creationId xmlns:a16="http://schemas.microsoft.com/office/drawing/2014/main" id="{89C56574-53F7-6876-E837-F573D53AB221}"/>
               </a:ext>
             </a:extLst>
           </p:cNvPr>
@@ -5444,202 +5666,19 @@
             <p:ph type="title"/>
           </p:nvPr>
         </p:nvSpPr>
-        <p:spPr/>
+        <p:spPr>
+          <a:xfrm>
+            <a:off x="1711431" y="1446662"/>
+            <a:ext cx="10058400" cy="1414034"/>
+          </a:xfrm>
+        </p:spPr>
         <p:txBody>
           <a:bodyPr/>
           <a:lstStyle/>
           <a:p>
-            <a:br>
-              <a:rPr lang="hu-HU" dirty="0"/>
-            </a:br>
-            <a:r>
-              <a:rPr lang="hu-HU" dirty="0"/>
-              <a:t>Group </a:t>
-            </a:r>
-            <a:r>
-              <a:rPr lang="hu-HU" dirty="0" err="1"/>
-              <a:t>work</a:t>
-            </a:r>
-            <a:r>
-              <a:rPr lang="hu-HU" dirty="0"/>
-              <a:t> </a:t>
-            </a:r>
-            <a:r>
-              <a:rPr lang="hu-HU" dirty="0" err="1"/>
-              <a:t>division</a:t>
-            </a:r>
-            <a:endParaRPr lang="hu-HU" dirty="0"/>
-          </a:p>
-        </p:txBody>
-      </p:sp>
-      <p:sp>
-        <p:nvSpPr>
-          <p:cNvPr id="3" name="Tartalom helye 2">
-            <a:extLst>
-              <a:ext uri="{FF2B5EF4-FFF2-40B4-BE49-F238E27FC236}">
-                <a16:creationId xmlns:a16="http://schemas.microsoft.com/office/drawing/2014/main" id="{74E5F4E4-BDD1-486A-8B01-989EF4C747B5}"/>
-              </a:ext>
-            </a:extLst>
-          </p:cNvPr>
-          <p:cNvSpPr>
-            <a:spLocks noGrp="1"/>
-          </p:cNvSpPr>
-          <p:nvPr>
-            <p:ph idx="1"/>
-          </p:nvPr>
-        </p:nvSpPr>
-        <p:spPr>
-          <a:xfrm>
-            <a:off x="1084580" y="1845734"/>
-            <a:ext cx="10058400" cy="4023360"/>
-          </a:xfrm>
-        </p:spPr>
-        <p:txBody>
-          <a:bodyPr>
-            <a:normAutofit lnSpcReduction="10000"/>
-          </a:bodyPr>
-          <a:lstStyle/>
-          <a:p>
-            <a:pPr marL="0" indent="0">
-              <a:buNone/>
-            </a:pPr>
-            <a:r>
-              <a:rPr lang="hu-HU" b="1" dirty="0"/>
-              <a:t> </a:t>
-            </a:r>
-            <a:br>
-              <a:rPr lang="hu-HU" b="1" dirty="0"/>
-            </a:br>
-            <a:r>
-              <a:rPr lang="hu-HU" b="1" dirty="0"/>
-              <a:t> </a:t>
-            </a:r>
-            <a:r>
-              <a:rPr lang="hu-HU" b="1" dirty="0" err="1"/>
-              <a:t>Berki</a:t>
-            </a:r>
-            <a:r>
-              <a:rPr lang="hu-HU" b="1" dirty="0"/>
-              <a:t> Dorina:</a:t>
-            </a:r>
-            <a:br>
-              <a:rPr lang="hu-HU" dirty="0"/>
-            </a:br>
-            <a:r>
-              <a:rPr lang="hu-HU" dirty="0"/>
-              <a:t> Linux server</a:t>
-            </a:r>
-          </a:p>
-          <a:p>
-            <a:pPr marL="0" indent="0">
-              <a:buNone/>
-            </a:pPr>
-            <a:endParaRPr lang="hu-HU" dirty="0"/>
-          </a:p>
-          <a:p>
-            <a:r>
-              <a:rPr lang="hu-HU" b="1" dirty="0" err="1"/>
-              <a:t>Csépányi</a:t>
-            </a:r>
-            <a:r>
-              <a:rPr lang="hu-HU" b="1" dirty="0"/>
-              <a:t>-Bárdos Letícia:</a:t>
-            </a:r>
-            <a:br>
-              <a:rPr lang="hu-HU" dirty="0"/>
-            </a:br>
-            <a:r>
-              <a:rPr lang="hu-HU" dirty="0" err="1"/>
-              <a:t>Documentation</a:t>
-            </a:r>
-            <a:r>
-              <a:rPr lang="hu-HU" dirty="0"/>
-              <a:t>,</a:t>
-            </a:r>
-            <a:br>
-              <a:rPr lang="hu-HU" dirty="0"/>
-            </a:br>
-            <a:r>
-              <a:rPr lang="hu-HU" dirty="0" err="1"/>
-              <a:t>Hungarian-language</a:t>
-            </a:r>
-            <a:r>
-              <a:rPr lang="hu-HU" dirty="0"/>
-              <a:t> </a:t>
-            </a:r>
-            <a:r>
-              <a:rPr lang="hu-HU" dirty="0" err="1"/>
-              <a:t>presentation</a:t>
-            </a:r>
-            <a:endParaRPr lang="hu-HU" dirty="0"/>
-          </a:p>
-          <a:p>
-            <a:endParaRPr lang="hu-HU" dirty="0"/>
-          </a:p>
-          <a:p>
-            <a:r>
-              <a:rPr lang="hu-HU" b="1" dirty="0"/>
-              <a:t>Budai József:</a:t>
-            </a:r>
-            <a:br>
-              <a:rPr lang="hu-HU" dirty="0"/>
-            </a:br>
-            <a:r>
-              <a:rPr lang="hu-HU" dirty="0"/>
-              <a:t>Network </a:t>
-            </a:r>
-            <a:r>
-              <a:rPr lang="hu-HU" dirty="0" err="1"/>
-              <a:t>topology</a:t>
-            </a:r>
-            <a:r>
-              <a:rPr lang="hu-HU" dirty="0"/>
-              <a:t> </a:t>
-            </a:r>
-            <a:r>
-              <a:rPr lang="hu-HU" dirty="0" err="1"/>
-              <a:t>creation</a:t>
-            </a:r>
-            <a:r>
-              <a:rPr lang="hu-HU" dirty="0"/>
-              <a:t> and </a:t>
-            </a:r>
-            <a:r>
-              <a:rPr lang="hu-HU" dirty="0" err="1"/>
-              <a:t>programming</a:t>
-            </a:r>
-            <a:r>
-              <a:rPr lang="hu-HU" dirty="0"/>
-              <a:t>,</a:t>
-            </a:r>
-            <a:br>
-              <a:rPr lang="hu-HU" dirty="0"/>
-            </a:br>
-            <a:r>
-              <a:rPr lang="hu-HU" dirty="0"/>
-              <a:t>English-</a:t>
-            </a:r>
-            <a:r>
-              <a:rPr lang="hu-HU" dirty="0" err="1"/>
-              <a:t>language</a:t>
-            </a:r>
-            <a:r>
-              <a:rPr lang="hu-HU" dirty="0"/>
-              <a:t> </a:t>
-            </a:r>
-            <a:r>
-              <a:rPr lang="hu-HU" dirty="0" err="1"/>
-              <a:t>presentation</a:t>
-            </a:r>
-            <a:r>
-              <a:rPr lang="hu-HU" dirty="0"/>
-              <a:t>.</a:t>
-            </a:r>
-          </a:p>
-          <a:p>
-            <a:r>
-              <a:rPr lang="hu-HU" dirty="0"/>
-              <a:t> </a:t>
+            <a:r>
+              <a:rPr lang="hu-HU" dirty="0"/>
+              <a:t>THANK YOU FOR YOUR ATTENTION!</a:t>
             </a:r>
           </a:p>
         </p:txBody>
@@ -5647,7 +5686,7 @@
     </p:spTree>
     <p:extLst>
       <p:ext uri="{BB962C8B-B14F-4D97-AF65-F5344CB8AC3E}">
-        <p14:creationId xmlns:p14="http://schemas.microsoft.com/office/powerpoint/2010/main" val="2907273096"/>
+        <p14:creationId xmlns:p14="http://schemas.microsoft.com/office/powerpoint/2010/main" val="2895859147"/>
       </p:ext>
     </p:extLst>
   </p:cSld>

--- a/vizsga1/Network Infrastructure Design and Implementation.pptx
+++ b/vizsga1/Network Infrastructure Design and Implementation.pptx
@@ -347,7 +347,7 @@
             <a:fld id="{B61BEF0D-F0BB-DE4B-95CE-6DB70DBA9567}" type="datetimeFigureOut">
               <a:rPr lang="en-US" smtClean="0"/>
               <a:pPr/>
-              <a:t>5/21/2025</a:t>
+              <a:t>5/27/2025</a:t>
             </a:fld>
             <a:endParaRPr lang="en-US" dirty="0"/>
           </a:p>
@@ -556,7 +556,7 @@
           <a:p>
             <a:fld id="{55C6B4A9-1611-4792-9094-5F34BCA07E0B}" type="datetimeFigureOut">
               <a:rPr lang="en-US" smtClean="0"/>
-              <a:t>5/21/2025</a:t>
+              <a:t>5/27/2025</a:t>
             </a:fld>
             <a:endParaRPr lang="en-US" dirty="0"/>
           </a:p>
@@ -813,7 +813,7 @@
             <a:fld id="{B61BEF0D-F0BB-DE4B-95CE-6DB70DBA9567}" type="datetimeFigureOut">
               <a:rPr lang="en-US" smtClean="0"/>
               <a:pPr/>
-              <a:t>5/21/2025</a:t>
+              <a:t>5/27/2025</a:t>
             </a:fld>
             <a:endParaRPr lang="en-US" dirty="0"/>
           </a:p>
@@ -988,7 +988,7 @@
           <a:p>
             <a:fld id="{42A54C80-263E-416B-A8E0-580EDEADCBDC}" type="datetimeFigureOut">
               <a:rPr lang="en-US" smtClean="0"/>
-              <a:t>5/21/2025</a:t>
+              <a:t>5/27/2025</a:t>
             </a:fld>
             <a:endParaRPr lang="en-US" dirty="0"/>
           </a:p>
@@ -1332,7 +1332,7 @@
             <a:fld id="{B61BEF0D-F0BB-DE4B-95CE-6DB70DBA9567}" type="datetimeFigureOut">
               <a:rPr lang="en-US" smtClean="0"/>
               <a:pPr/>
-              <a:t>5/21/2025</a:t>
+              <a:t>5/27/2025</a:t>
             </a:fld>
             <a:endParaRPr lang="en-US" dirty="0"/>
           </a:p>
@@ -1608,7 +1608,7 @@
           <a:p>
             <a:fld id="{42A54C80-263E-416B-A8E0-580EDEADCBDC}" type="datetimeFigureOut">
               <a:rPr lang="en-US" smtClean="0"/>
-              <a:t>5/21/2025</a:t>
+              <a:t>5/27/2025</a:t>
             </a:fld>
             <a:endParaRPr lang="en-US" dirty="0"/>
           </a:p>
@@ -1988,7 +1988,7 @@
             <a:fld id="{B61BEF0D-F0BB-DE4B-95CE-6DB70DBA9567}" type="datetimeFigureOut">
               <a:rPr lang="en-US" smtClean="0"/>
               <a:pPr/>
-              <a:t>5/21/2025</a:t>
+              <a:t>5/27/2025</a:t>
             </a:fld>
             <a:endParaRPr lang="en-US" dirty="0"/>
           </a:p>
@@ -2108,7 +2108,7 @@
             <a:fld id="{B61BEF0D-F0BB-DE4B-95CE-6DB70DBA9567}" type="datetimeFigureOut">
               <a:rPr lang="en-US" smtClean="0"/>
               <a:pPr/>
-              <a:t>5/21/2025</a:t>
+              <a:t>5/27/2025</a:t>
             </a:fld>
             <a:endParaRPr lang="en-US" dirty="0"/>
           </a:p>
@@ -2281,7 +2281,7 @@
             <a:fld id="{B61BEF0D-F0BB-DE4B-95CE-6DB70DBA9567}" type="datetimeFigureOut">
               <a:rPr lang="en-US" smtClean="0"/>
               <a:pPr/>
-              <a:t>5/21/2025</a:t>
+              <a:t>5/27/2025</a:t>
             </a:fld>
             <a:endParaRPr lang="en-US" dirty="0"/>
           </a:p>
@@ -2636,7 +2636,7 @@
           <a:p>
             <a:fld id="{42A54C80-263E-416B-A8E0-580EDEADCBDC}" type="datetimeFigureOut">
               <a:rPr lang="en-US" smtClean="0"/>
-              <a:t>5/21/2025</a:t>
+              <a:t>5/27/2025</a:t>
             </a:fld>
             <a:endParaRPr lang="en-US" dirty="0"/>
           </a:p>
@@ -3019,7 +3019,7 @@
             <a:fld id="{B61BEF0D-F0BB-DE4B-95CE-6DB70DBA9567}" type="datetimeFigureOut">
               <a:rPr lang="en-US" smtClean="0"/>
               <a:pPr/>
-              <a:t>5/21/2025</a:t>
+              <a:t>5/27/2025</a:t>
             </a:fld>
             <a:endParaRPr lang="en-US" dirty="0"/>
           </a:p>
@@ -3308,7 +3308,7 @@
             <a:fld id="{B61BEF0D-F0BB-DE4B-95CE-6DB70DBA9567}" type="datetimeFigureOut">
               <a:rPr lang="en-US" smtClean="0"/>
               <a:pPr/>
-              <a:t>5/21/2025</a:t>
+              <a:t>5/27/2025</a:t>
             </a:fld>
             <a:endParaRPr lang="en-US" dirty="0"/>
           </a:p>
@@ -4673,7 +4673,7 @@
         </p:blipFill>
         <p:spPr>
           <a:xfrm>
-            <a:off x="423071" y="1894469"/>
+            <a:off x="423071" y="1766384"/>
             <a:ext cx="11345858" cy="4182059"/>
           </a:xfrm>
           <a:prstGeom prst="rect">
@@ -4681,6 +4681,80 @@
           </a:prstGeom>
         </p:spPr>
       </p:pic>
+      <p:sp>
+        <p:nvSpPr>
+          <p:cNvPr id="4" name="Szövegdoboz 3">
+            <a:extLst>
+              <a:ext uri="{FF2B5EF4-FFF2-40B4-BE49-F238E27FC236}">
+                <a16:creationId xmlns:a16="http://schemas.microsoft.com/office/drawing/2014/main" id="{DF10AD34-D1DD-E4D9-FCF5-F62EA4E83118}"/>
+              </a:ext>
+            </a:extLst>
+          </p:cNvPr>
+          <p:cNvSpPr txBox="1"/>
+          <p:nvPr/>
+        </p:nvSpPr>
+        <p:spPr>
+          <a:xfrm>
+            <a:off x="423071" y="5948443"/>
+            <a:ext cx="6097044" cy="369332"/>
+          </a:xfrm>
+          <a:prstGeom prst="rect">
+            <a:avLst/>
+          </a:prstGeom>
+          <a:noFill/>
+        </p:spPr>
+        <p:txBody>
+          <a:bodyPr wrap="square">
+            <a:spAutoFit/>
+          </a:bodyPr>
+          <a:lstStyle/>
+          <a:p>
+            <a:r>
+              <a:rPr lang="hu-HU" dirty="0" err="1"/>
+              <a:t>East</a:t>
+            </a:r>
+            <a:r>
+              <a:rPr lang="hu-HU" dirty="0"/>
+              <a:t>								Centrum</a:t>
+            </a:r>
+          </a:p>
+        </p:txBody>
+      </p:sp>
+      <p:sp>
+        <p:nvSpPr>
+          <p:cNvPr id="7" name="Szövegdoboz 6">
+            <a:extLst>
+              <a:ext uri="{FF2B5EF4-FFF2-40B4-BE49-F238E27FC236}">
+                <a16:creationId xmlns:a16="http://schemas.microsoft.com/office/drawing/2014/main" id="{DE24E472-8774-A388-5E7C-2FD519872427}"/>
+              </a:ext>
+            </a:extLst>
+          </p:cNvPr>
+          <p:cNvSpPr txBox="1"/>
+          <p:nvPr/>
+        </p:nvSpPr>
+        <p:spPr>
+          <a:xfrm>
+            <a:off x="8091087" y="5968851"/>
+            <a:ext cx="1973575" cy="369332"/>
+          </a:xfrm>
+          <a:prstGeom prst="rect">
+            <a:avLst/>
+          </a:prstGeom>
+          <a:noFill/>
+        </p:spPr>
+        <p:txBody>
+          <a:bodyPr wrap="square">
+            <a:spAutoFit/>
+          </a:bodyPr>
+          <a:lstStyle/>
+          <a:p>
+            <a:r>
+              <a:rPr lang="hu-HU" dirty="0"/>
+              <a:t>West</a:t>
+            </a:r>
+          </a:p>
+        </p:txBody>
+      </p:sp>
     </p:spTree>
     <p:extLst>
       <p:ext uri="{BB962C8B-B14F-4D97-AF65-F5344CB8AC3E}">
